--- a/Section03/Excel.pptx
+++ b/Section03/Excel.pptx
@@ -296,8 +296,11 @@
     </a:lvl9pPr>
   </p:defaultTextStyle>
   <p:extLst>
+    <p:ext uri="{EFAFB233-063F-42B5-8137-9DF3F51BA10A}">
+      <p15:sldGuideLst xmlns:p15="http://schemas.microsoft.com/office/powerpoint/2012/main"/>
+    </p:ext>
     <p:ext uri="http://customooxmlschemas.google.com/">
-      <go:slidesCustomData xmlns:go="http://customooxmlschemas.google.com/" xmlns:ahyp="http://schemas.microsoft.com/office/drawing/2018/hyperlinkcolor" xmlns:p15="http://schemas.microsoft.com/office/powerpoint/2012/main" xmlns:p14="http://schemas.microsoft.com/office/powerpoint/2010/main" xmlns:com="http://schemas.openxmlformats.org/drawingml/2006/compatibility" xmlns:pvml="urn:schemas-microsoft-com:office:powerpoint" xmlns:v="urn:schemas-microsoft-com:vml" xmlns:o="urn:schemas-microsoft-com:office:office" xmlns:dgm="http://schemas.openxmlformats.org/drawingml/2006/diagram" xmlns:c="http://schemas.openxmlformats.org/drawingml/2006/chart" xmlns:mv="urn:schemas-microsoft-com:mac:vml" xmlns:mc="http://schemas.openxmlformats.org/markup-compatibility/2006" xmlns="" r:id="rId53" roundtripDataSignature="AMtx7mibhW5gNs+yuMwXsrTAHjBGwJpiUg=="/>
+      <go:slidesCustomData xmlns="" xmlns:mc="http://schemas.openxmlformats.org/markup-compatibility/2006" xmlns:mv="urn:schemas-microsoft-com:mac:vml" xmlns:c="http://schemas.openxmlformats.org/drawingml/2006/chart" xmlns:dgm="http://schemas.openxmlformats.org/drawingml/2006/diagram" xmlns:o="urn:schemas-microsoft-com:office:office" xmlns:v="urn:schemas-microsoft-com:vml" xmlns:pvml="urn:schemas-microsoft-com:office:powerpoint" xmlns:com="http://schemas.openxmlformats.org/drawingml/2006/compatibility" xmlns:p14="http://schemas.microsoft.com/office/powerpoint/2010/main" xmlns:p15="http://schemas.microsoft.com/office/powerpoint/2012/main" xmlns:ahyp="http://schemas.microsoft.com/office/drawing/2018/hyperlinkcolor" xmlns:go="http://customooxmlschemas.google.com/" r:id="rId53" roundtripDataSignature="AMtx7mibhW5gNs+yuMwXsrTAHjBGwJpiUg=="/>
     </p:ext>
   </p:extLst>
 </p:presentation>
@@ -20463,52 +20466,6 @@
           </a:p>
         </p:txBody>
       </p:sp>
-      <p:sp>
-        <p:nvSpPr>
-          <p:cNvPr id="523" name="Google Shape;523;p56"/>
-          <p:cNvSpPr txBox="1">
-            <a:spLocks noGrp="1"/>
-          </p:cNvSpPr>
-          <p:nvPr>
-            <p:ph type="subTitle" idx="1"/>
-          </p:nvPr>
-        </p:nvSpPr>
-        <p:spPr>
-          <a:xfrm>
-            <a:off x="1100051" y="4645152"/>
-            <a:ext cx="10058400" cy="1143000"/>
-          </a:xfrm>
-          <a:prstGeom prst="rect">
-            <a:avLst/>
-          </a:prstGeom>
-          <a:noFill/>
-          <a:ln>
-            <a:noFill/>
-          </a:ln>
-        </p:spPr>
-        <p:txBody>
-          <a:bodyPr spcFirstLastPara="1" wrap="square" lIns="91425" tIns="45700" rIns="91425" bIns="45700" anchor="t" anchorCtr="0">
-            <a:normAutofit/>
-          </a:bodyPr>
-          <a:lstStyle/>
-          <a:p>
-            <a:pPr marL="0" lvl="0" indent="0" algn="l" rtl="0">
-              <a:lnSpc>
-                <a:spcPct val="110000"/>
-              </a:lnSpc>
-              <a:spcBef>
-                <a:spcPts val="0"/>
-              </a:spcBef>
-              <a:spcAft>
-                <a:spcPts val="0"/>
-              </a:spcAft>
-              <a:buSzPts val="2400"/>
-              <a:buNone/>
-            </a:pPr>
-            <a:endParaRPr/>
-          </a:p>
-        </p:txBody>
-      </p:sp>
     </p:spTree>
   </p:cSld>
   <p:clrMapOvr>
@@ -31286,98 +31243,6 @@
               <a:t>, ...)</a:t>
             </a:r>
             <a:endParaRPr sz="2400"/>
-          </a:p>
-        </p:txBody>
-      </p:sp>
-      <p:sp>
-        <p:nvSpPr>
-          <p:cNvPr id="441" name="Google Shape;441;p45"/>
-          <p:cNvSpPr txBox="1">
-            <a:spLocks noGrp="1"/>
-          </p:cNvSpPr>
-          <p:nvPr>
-            <p:ph type="body" idx="3"/>
-          </p:nvPr>
-        </p:nvSpPr>
-        <p:spPr>
-          <a:xfrm>
-            <a:off x="6515944" y="2057400"/>
-            <a:ext cx="4639736" cy="736282"/>
-          </a:xfrm>
-          <a:prstGeom prst="rect">
-            <a:avLst/>
-          </a:prstGeom>
-          <a:noFill/>
-          <a:ln>
-            <a:noFill/>
-          </a:ln>
-        </p:spPr>
-        <p:txBody>
-          <a:bodyPr spcFirstLastPara="1" wrap="square" lIns="91425" tIns="45700" rIns="91425" bIns="45700" anchor="ctr" anchorCtr="0">
-            <a:normAutofit/>
-          </a:bodyPr>
-          <a:lstStyle/>
-          <a:p>
-            <a:pPr marL="0" lvl="0" indent="0" algn="l" rtl="0">
-              <a:lnSpc>
-                <a:spcPct val="110000"/>
-              </a:lnSpc>
-              <a:spcBef>
-                <a:spcPts val="0"/>
-              </a:spcBef>
-              <a:spcAft>
-                <a:spcPts val="0"/>
-              </a:spcAft>
-              <a:buSzPts val="2000"/>
-              <a:buNone/>
-            </a:pPr>
-            <a:endParaRPr/>
-          </a:p>
-        </p:txBody>
-      </p:sp>
-      <p:sp>
-        <p:nvSpPr>
-          <p:cNvPr id="442" name="Google Shape;442;p45"/>
-          <p:cNvSpPr txBox="1">
-            <a:spLocks noGrp="1"/>
-          </p:cNvSpPr>
-          <p:nvPr>
-            <p:ph type="body" idx="4"/>
-          </p:nvPr>
-        </p:nvSpPr>
-        <p:spPr>
-          <a:xfrm>
-            <a:off x="6515944" y="2958273"/>
-            <a:ext cx="4639736" cy="2910821"/>
-          </a:xfrm>
-          <a:prstGeom prst="rect">
-            <a:avLst/>
-          </a:prstGeom>
-          <a:noFill/>
-          <a:ln>
-            <a:noFill/>
-          </a:ln>
-        </p:spPr>
-        <p:txBody>
-          <a:bodyPr spcFirstLastPara="1" wrap="square" lIns="0" tIns="45700" rIns="0" bIns="45700" anchor="t" anchorCtr="0">
-            <a:normAutofit/>
-          </a:bodyPr>
-          <a:lstStyle/>
-          <a:p>
-            <a:pPr marL="91440" lvl="0" indent="0" algn="l" rtl="0">
-              <a:lnSpc>
-                <a:spcPct val="110000"/>
-              </a:lnSpc>
-              <a:spcBef>
-                <a:spcPts val="0"/>
-              </a:spcBef>
-              <a:spcAft>
-                <a:spcPts val="0"/>
-              </a:spcAft>
-              <a:buSzPts val="1900"/>
-              <a:buNone/>
-            </a:pPr>
-            <a:endParaRPr/>
           </a:p>
         </p:txBody>
       </p:sp>
